--- a/Day_2/Case_Study/Day_2_CaseStudy.pptx
+++ b/Day_2/Case_Study/Day_2_CaseStudy.pptx
@@ -4132,11 +4132,7 @@
             </a:pPr>
             <a:r>
               <a:rPr lang="en-US" dirty="0"/>
-              <a:t>A data citation should include a persistent method for identification that is machine actionable, globally unique, and widely used by a community</a:t>
-            </a:r>
-            <a:r>
-              <a:rPr lang="en-US" dirty="0"/>
-              <a:t>[</a:t>
+              <a:t>A data citation should include a persistent method for identification that is machine actionable, globally unique, and widely used by a community[</a:t>
             </a:r>
             <a:r>
               <a:rPr lang="en-US" dirty="0">
@@ -4250,7 +4246,6 @@
               <a:rPr lang="en-US" dirty="0"/>
               <a:t>Data citations should facilitate access to the data themselves and to such associated metadata, documentation, code, and other materials, as are necessary for both humans and machines to make informed use of the referenced data</a:t>
             </a:r>
-            <a:endParaRPr lang="en-US" dirty="0"/>
           </a:p>
           <a:p>
             <a:pPr marL="0" indent="0">
@@ -4353,7 +4348,6 @@
               <a:rPr lang="en-US" dirty="0"/>
               <a:t>Unique identifiers, and metadata describing the data, and its disposition, should persist --  even beyond the lifespan of the data they describe</a:t>
             </a:r>
-            <a:endParaRPr lang="en-US" dirty="0"/>
           </a:p>
           <a:p>
             <a:pPr marL="0" indent="0">
@@ -4482,7 +4476,6 @@
               <a:rPr lang="en-US" sz="2800" dirty="0"/>
               <a:t>is the same as was originally cited</a:t>
             </a:r>
-            <a:endParaRPr lang="en-US" sz="2800" dirty="0"/>
           </a:p>
           <a:p>
             <a:endParaRPr lang="en-US" dirty="0"/>
@@ -4582,7 +4575,6 @@
               <a:rPr lang="en-US" dirty="0"/>
               <a:t>Data citation methods should be sufficiently flexible to accommodate the variant practices among communities, but should not differ so much that they compromise interoperability of data citation practices across communities</a:t>
             </a:r>
-            <a:endParaRPr lang="en-US" dirty="0"/>
           </a:p>
           <a:p>
             <a:pPr marL="0" indent="0">
@@ -5280,8 +5272,9 @@
             <a:pPr lvl="1"/>
             <a:r>
               <a:rPr lang="en-US" dirty="0" smtClean="0"/>
-              <a:t>X</a:t>
-            </a:r>
+              <a:t>IQSS @ Harvard </a:t>
+            </a:r>
+            <a:endParaRPr lang="en-US" dirty="0" smtClean="0"/>
           </a:p>
           <a:p>
             <a:r>
@@ -5760,6 +5753,20 @@
           <a:bodyPr/>
           <a:lstStyle/>
           <a:p>
+            <a:r>
+              <a:rPr lang="en-US" dirty="0" smtClean="0"/>
+              <a:t>Funding agencies / </a:t>
+            </a:r>
+          </a:p>
+          <a:p>
+            <a:r>
+              <a:rPr lang="en-US" dirty="0" smtClean="0"/>
+              <a:t>In scholarl</a:t>
+            </a:r>
+            <a:r>
+              <a:rPr lang="en-US" dirty="0" smtClean="0"/>
+              <a:t>y journals</a:t>
+            </a:r>
             <a:endParaRPr lang="en-US" dirty="0"/>
           </a:p>
         </p:txBody>
@@ -7735,7 +7742,6 @@
               <a:rPr lang="en-US" dirty="0"/>
               <a:t>are both human understandable and machine-actionable.  </a:t>
             </a:r>
-            <a:endParaRPr lang="en-US" dirty="0"/>
           </a:p>
           <a:p>
             <a:r>
@@ -7761,7 +7767,6 @@
               <a:rPr lang="en-US" dirty="0"/>
               <a:t>not include recommendations for specific implementations, but encourage communities to develop practices and tools that embody these principles.</a:t>
             </a:r>
-            <a:endParaRPr lang="en-US" dirty="0"/>
           </a:p>
           <a:p>
             <a:pPr marL="0" indent="0">
@@ -7900,7 +7905,6 @@
               <a:rPr lang="en-US" dirty="0"/>
               <a:t>should be considered legitimate, citable products of research. Data citations should be accorded the same importance in the scholarly record as citations of other research objects, such as publications</a:t>
             </a:r>
-            <a:endParaRPr lang="en-US" dirty="0"/>
           </a:p>
           <a:p>
             <a:pPr marL="0" indent="0">
@@ -8003,7 +8007,6 @@
               <a:rPr lang="en-US" dirty="0"/>
               <a:t>Data citations should facilitate giving scholarly credit and normative and legal attribution to all contributors to the data, recognizing that a single style or mechanism of attribution may not be applicable to all data</a:t>
             </a:r>
-            <a:endParaRPr lang="en-US" dirty="0"/>
           </a:p>
           <a:p>
             <a:pPr marL="0" indent="0">
@@ -8106,7 +8109,6 @@
               <a:rPr lang="en-US" dirty="0"/>
               <a:t>In scholarly literature, whenever and wherever a claim relies upon data, the corresponding data should be cited[</a:t>
             </a:r>
-            <a:endParaRPr lang="en-US" dirty="0"/>
           </a:p>
           <a:p>
             <a:pPr marL="0" indent="0">
